--- a/DesignPatterns.pptx
+++ b/DesignPatterns.pptx
@@ -695,7 +695,7 @@
       </p:grpSpPr>
       <p:sp>
         <p:nvSpPr>
-          <p:cNvPr id="2" name="Slide Image Placeholder 1"/>
+          <p:cNvPr id="2" name="Slayt Resmi Yer Tutucusu 1"/>
           <p:cNvSpPr>
             <a:spLocks noGrp="1" noRot="1" noChangeAspect="1"/>
           </p:cNvSpPr>
@@ -707,7 +707,7 @@
       </p:sp>
       <p:sp>
         <p:nvSpPr>
-          <p:cNvPr id="3" name="Notes Placeholder 2"/>
+          <p:cNvPr id="3" name="Not Yer Tutucusu 2"/>
           <p:cNvSpPr>
             <a:spLocks noGrp="1"/>
           </p:cNvSpPr>
@@ -720,17 +720,13 @@
           <a:bodyPr/>
           <a:lstStyle/>
           <a:p>
-            <a:r>
-              <a:rPr lang="en-US"/>
-              <a:t>Projenin kısaca amacı pano üretim süreçlerindeki karmaşık ve sözlü/yazılı olarak ilerleyen süreçleri dijitalleştirerek zaman tasarrufu sağlamaktır. Bununla birlikte işletmedeki verileri dijtalleştirerek hem ileride kolay ulaşılması sağlanacak hem de gerekli analizlerin kolayca yapılması sağlanacaktır.</a:t>
-            </a:r>
-            <a:endParaRPr lang="tr-TR"/>
-          </a:p>
-        </p:txBody>
-      </p:sp>
-      <p:sp>
-        <p:nvSpPr>
-          <p:cNvPr id="4" name="Header Placeholder 3"/>
+            <a:endParaRPr lang="tr-TR" dirty="0"/>
+          </a:p>
+        </p:txBody>
+      </p:sp>
+      <p:sp>
+        <p:nvSpPr>
+          <p:cNvPr id="4" name="Üst Bilgi Yer Tutucusu 3"/>
           <p:cNvSpPr>
             <a:spLocks noGrp="1"/>
           </p:cNvSpPr>
@@ -752,7 +748,7 @@
       </p:sp>
       <p:sp>
         <p:nvSpPr>
-          <p:cNvPr id="5" name="Slide Number Placeholder 4"/>
+          <p:cNvPr id="5" name="Slayt Numarası Yer Tutucusu 4"/>
           <p:cNvSpPr>
             <a:spLocks noGrp="1"/>
           </p:cNvSpPr>
@@ -767,7 +763,7 @@
           <a:p>
             <a:fld id="{D62F6F29-6E56-4B6D-B3B7-2D179DE3DA21}" type="slidenum">
               <a:rPr lang="tr-TR" smtClean="0"/>
-              <a:t>2</a:t>
+              <a:t>1</a:t>
             </a:fld>
             <a:endParaRPr lang="tr-TR"/>
           </a:p>
@@ -776,7 +772,7 @@
     </p:spTree>
     <p:extLst>
       <p:ext uri="{BB962C8B-B14F-4D97-AF65-F5344CB8AC3E}">
-        <p14:creationId xmlns:p14="http://schemas.microsoft.com/office/powerpoint/2010/main" val="2546775871"/>
+        <p14:creationId xmlns:p14="http://schemas.microsoft.com/office/powerpoint/2010/main" val="3483914392"/>
       </p:ext>
     </p:extLst>
   </p:cSld>
@@ -830,11 +826,113 @@
           <a:bodyPr/>
           <a:lstStyle/>
           <a:p>
-            <a:r>
-              <a:rPr lang="en-US"/>
-              <a:t>Projenin kısaca amacı pano üretim süreçlerindeki karmaşık ve sözlü/yazılı olarak ilerleyen süreçleri dijitalleştirerek zaman tasarrufu sağlamaktır. Bununla birlikte işletmedeki verileri dijtalleştirerek hem ileride kolay ulaşılması sağlanacak hem de gerekli analizlerin kolayca yapılması sağlanacaktır.</a:t>
-            </a:r>
+            <a:endParaRPr lang="tr-TR" dirty="0"/>
+          </a:p>
+        </p:txBody>
+      </p:sp>
+      <p:sp>
+        <p:nvSpPr>
+          <p:cNvPr id="4" name="Header Placeholder 3"/>
+          <p:cNvSpPr>
+            <a:spLocks noGrp="1"/>
+          </p:cNvSpPr>
+          <p:nvPr>
+            <p:ph type="hdr" sz="quarter"/>
+          </p:nvPr>
+        </p:nvSpPr>
+        <p:spPr/>
+        <p:txBody>
+          <a:bodyPr/>
+          <a:lstStyle/>
+          <a:p>
+            <a:r>
+              <a:rPr lang="tr-TR"/>
+              <a:t>*Sunumdaki görseller sabit verisetleri ve figma çizimlerinden oluşturulmuştur</a:t>
+            </a:r>
+          </a:p>
+        </p:txBody>
+      </p:sp>
+      <p:sp>
+        <p:nvSpPr>
+          <p:cNvPr id="5" name="Slide Number Placeholder 4"/>
+          <p:cNvSpPr>
+            <a:spLocks noGrp="1"/>
+          </p:cNvSpPr>
+          <p:nvPr>
+            <p:ph type="sldNum" sz="quarter" idx="5"/>
+          </p:nvPr>
+        </p:nvSpPr>
+        <p:spPr/>
+        <p:txBody>
+          <a:bodyPr/>
+          <a:lstStyle/>
+          <a:p>
+            <a:fld id="{D62F6F29-6E56-4B6D-B3B7-2D179DE3DA21}" type="slidenum">
+              <a:rPr lang="tr-TR" smtClean="0"/>
+              <a:t>10</a:t>
+            </a:fld>
             <a:endParaRPr lang="tr-TR"/>
+          </a:p>
+        </p:txBody>
+      </p:sp>
+    </p:spTree>
+    <p:extLst>
+      <p:ext uri="{BB962C8B-B14F-4D97-AF65-F5344CB8AC3E}">
+        <p14:creationId xmlns:p14="http://schemas.microsoft.com/office/powerpoint/2010/main" val="4258971362"/>
+      </p:ext>
+    </p:extLst>
+  </p:cSld>
+  <p:clrMapOvr>
+    <a:masterClrMapping/>
+  </p:clrMapOvr>
+</p:notes>
+</file>
+
+<file path=ppt/notesSlides/notesSlide11.xml><?xml version="1.0" encoding="utf-8"?>
+<p:notes xmlns:a="http://schemas.openxmlformats.org/drawingml/2006/main" xmlns:r="http://schemas.openxmlformats.org/officeDocument/2006/relationships" xmlns:p="http://schemas.openxmlformats.org/presentationml/2006/main">
+  <p:cSld>
+    <p:spTree>
+      <p:nvGrpSpPr>
+        <p:cNvPr id="1" name=""/>
+        <p:cNvGrpSpPr/>
+        <p:nvPr/>
+      </p:nvGrpSpPr>
+      <p:grpSpPr>
+        <a:xfrm>
+          <a:off x="0" y="0"/>
+          <a:ext cx="0" cy="0"/>
+          <a:chOff x="0" y="0"/>
+          <a:chExt cx="0" cy="0"/>
+        </a:xfrm>
+      </p:grpSpPr>
+      <p:sp>
+        <p:nvSpPr>
+          <p:cNvPr id="2" name="Slide Image Placeholder 1"/>
+          <p:cNvSpPr>
+            <a:spLocks noGrp="1" noRot="1" noChangeAspect="1"/>
+          </p:cNvSpPr>
+          <p:nvPr>
+            <p:ph type="sldImg"/>
+          </p:nvPr>
+        </p:nvSpPr>
+        <p:spPr/>
+      </p:sp>
+      <p:sp>
+        <p:nvSpPr>
+          <p:cNvPr id="3" name="Notes Placeholder 2"/>
+          <p:cNvSpPr>
+            <a:spLocks noGrp="1"/>
+          </p:cNvSpPr>
+          <p:nvPr>
+            <p:ph type="body" idx="1"/>
+          </p:nvPr>
+        </p:nvSpPr>
+        <p:spPr/>
+        <p:txBody>
+          <a:bodyPr/>
+          <a:lstStyle/>
+          <a:p>
+            <a:endParaRPr lang="tr-TR" dirty="0"/>
           </a:p>
         </p:txBody>
       </p:sp>
@@ -887,6 +985,112 @@
     <p:extLst>
       <p:ext uri="{BB962C8B-B14F-4D97-AF65-F5344CB8AC3E}">
         <p14:creationId xmlns:p14="http://schemas.microsoft.com/office/powerpoint/2010/main" val="3796613686"/>
+      </p:ext>
+    </p:extLst>
+  </p:cSld>
+  <p:clrMapOvr>
+    <a:masterClrMapping/>
+  </p:clrMapOvr>
+</p:notes>
+</file>
+
+<file path=ppt/notesSlides/notesSlide12.xml><?xml version="1.0" encoding="utf-8"?>
+<p:notes xmlns:a="http://schemas.openxmlformats.org/drawingml/2006/main" xmlns:r="http://schemas.openxmlformats.org/officeDocument/2006/relationships" xmlns:p="http://schemas.openxmlformats.org/presentationml/2006/main">
+  <p:cSld>
+    <p:spTree>
+      <p:nvGrpSpPr>
+        <p:cNvPr id="1" name=""/>
+        <p:cNvGrpSpPr/>
+        <p:nvPr/>
+      </p:nvGrpSpPr>
+      <p:grpSpPr>
+        <a:xfrm>
+          <a:off x="0" y="0"/>
+          <a:ext cx="0" cy="0"/>
+          <a:chOff x="0" y="0"/>
+          <a:chExt cx="0" cy="0"/>
+        </a:xfrm>
+      </p:grpSpPr>
+      <p:sp>
+        <p:nvSpPr>
+          <p:cNvPr id="2" name="Slayt Resmi Yer Tutucusu 1"/>
+          <p:cNvSpPr>
+            <a:spLocks noGrp="1" noRot="1" noChangeAspect="1"/>
+          </p:cNvSpPr>
+          <p:nvPr>
+            <p:ph type="sldImg"/>
+          </p:nvPr>
+        </p:nvSpPr>
+        <p:spPr/>
+      </p:sp>
+      <p:sp>
+        <p:nvSpPr>
+          <p:cNvPr id="3" name="Not Yer Tutucusu 2"/>
+          <p:cNvSpPr>
+            <a:spLocks noGrp="1"/>
+          </p:cNvSpPr>
+          <p:nvPr>
+            <p:ph type="body" idx="1"/>
+          </p:nvPr>
+        </p:nvSpPr>
+        <p:spPr/>
+        <p:txBody>
+          <a:bodyPr/>
+          <a:lstStyle/>
+          <a:p>
+            <a:endParaRPr lang="tr-TR" dirty="0"/>
+          </a:p>
+        </p:txBody>
+      </p:sp>
+      <p:sp>
+        <p:nvSpPr>
+          <p:cNvPr id="4" name="Üst Bilgi Yer Tutucusu 3"/>
+          <p:cNvSpPr>
+            <a:spLocks noGrp="1"/>
+          </p:cNvSpPr>
+          <p:nvPr>
+            <p:ph type="hdr" sz="quarter"/>
+          </p:nvPr>
+        </p:nvSpPr>
+        <p:spPr/>
+        <p:txBody>
+          <a:bodyPr/>
+          <a:lstStyle/>
+          <a:p>
+            <a:r>
+              <a:rPr lang="tr-TR"/>
+              <a:t>*Sunumdaki görseller sabit verisetleri ve figma çizimlerinden oluşturulmuştur</a:t>
+            </a:r>
+          </a:p>
+        </p:txBody>
+      </p:sp>
+      <p:sp>
+        <p:nvSpPr>
+          <p:cNvPr id="5" name="Slayt Numarası Yer Tutucusu 4"/>
+          <p:cNvSpPr>
+            <a:spLocks noGrp="1"/>
+          </p:cNvSpPr>
+          <p:nvPr>
+            <p:ph type="sldNum" sz="quarter" idx="5"/>
+          </p:nvPr>
+        </p:nvSpPr>
+        <p:spPr/>
+        <p:txBody>
+          <a:bodyPr/>
+          <a:lstStyle/>
+          <a:p>
+            <a:fld id="{D62F6F29-6E56-4B6D-B3B7-2D179DE3DA21}" type="slidenum">
+              <a:rPr lang="tr-TR" smtClean="0"/>
+              <a:t>12</a:t>
+            </a:fld>
+            <a:endParaRPr lang="tr-TR"/>
+          </a:p>
+        </p:txBody>
+      </p:sp>
+    </p:spTree>
+    <p:extLst>
+      <p:ext uri="{BB962C8B-B14F-4D97-AF65-F5344CB8AC3E}">
+        <p14:creationId xmlns:p14="http://schemas.microsoft.com/office/powerpoint/2010/main" val="761317075"/>
       </p:ext>
     </p:extLst>
   </p:cSld>
@@ -940,11 +1144,7 @@
           <a:bodyPr/>
           <a:lstStyle/>
           <a:p>
-            <a:r>
-              <a:rPr lang="en-US"/>
-              <a:t>Projenin kısaca amacı pano üretim süreçlerindeki karmaşık ve sözlü/yazılı olarak ilerleyen süreçleri dijitalleştirerek zaman tasarrufu sağlamaktır. Bununla birlikte işletmedeki verileri dijtalleştirerek hem ileride kolay ulaşılması sağlanacak hem de gerekli analizlerin kolayca yapılması sağlanacaktır.</a:t>
-            </a:r>
-            <a:endParaRPr lang="tr-TR"/>
+            <a:endParaRPr lang="tr-TR" dirty="0"/>
           </a:p>
         </p:txBody>
       </p:sp>
@@ -987,7 +1187,7 @@
           <a:p>
             <a:fld id="{D62F6F29-6E56-4B6D-B3B7-2D179DE3DA21}" type="slidenum">
               <a:rPr lang="tr-TR" smtClean="0"/>
-              <a:t>3</a:t>
+              <a:t>2</a:t>
             </a:fld>
             <a:endParaRPr lang="tr-TR"/>
           </a:p>
@@ -996,7 +1196,7 @@
     </p:spTree>
     <p:extLst>
       <p:ext uri="{BB962C8B-B14F-4D97-AF65-F5344CB8AC3E}">
-        <p14:creationId xmlns:p14="http://schemas.microsoft.com/office/powerpoint/2010/main" val="3532235220"/>
+        <p14:creationId xmlns:p14="http://schemas.microsoft.com/office/powerpoint/2010/main" val="2546775871"/>
       </p:ext>
     </p:extLst>
   </p:cSld>
@@ -1050,11 +1250,7 @@
           <a:bodyPr/>
           <a:lstStyle/>
           <a:p>
-            <a:r>
-              <a:rPr lang="en-US"/>
-              <a:t>Projenin kısaca amacı pano üretim süreçlerindeki karmaşık ve sözlü/yazılı olarak ilerleyen süreçleri dijitalleştirerek zaman tasarrufu sağlamaktır. Bununla birlikte işletmedeki verileri dijtalleştirerek hem ileride kolay ulaşılması sağlanacak hem de gerekli analizlerin kolayca yapılması sağlanacaktır.</a:t>
-            </a:r>
-            <a:endParaRPr lang="tr-TR"/>
+            <a:endParaRPr lang="tr-TR" dirty="0"/>
           </a:p>
         </p:txBody>
       </p:sp>
@@ -1097,7 +1293,7 @@
           <a:p>
             <a:fld id="{D62F6F29-6E56-4B6D-B3B7-2D179DE3DA21}" type="slidenum">
               <a:rPr lang="tr-TR" smtClean="0"/>
-              <a:t>4</a:t>
+              <a:t>3</a:t>
             </a:fld>
             <a:endParaRPr lang="tr-TR"/>
           </a:p>
@@ -1106,7 +1302,7 @@
     </p:spTree>
     <p:extLst>
       <p:ext uri="{BB962C8B-B14F-4D97-AF65-F5344CB8AC3E}">
-        <p14:creationId xmlns:p14="http://schemas.microsoft.com/office/powerpoint/2010/main" val="2311782171"/>
+        <p14:creationId xmlns:p14="http://schemas.microsoft.com/office/powerpoint/2010/main" val="3532235220"/>
       </p:ext>
     </p:extLst>
   </p:cSld>
@@ -1160,11 +1356,7 @@
           <a:bodyPr/>
           <a:lstStyle/>
           <a:p>
-            <a:r>
-              <a:rPr lang="en-US"/>
-              <a:t>Projenin kısaca amacı pano üretim süreçlerindeki karmaşık ve sözlü/yazılı olarak ilerleyen süreçleri dijitalleştirerek zaman tasarrufu sağlamaktır. Bununla birlikte işletmedeki verileri dijtalleştirerek hem ileride kolay ulaşılması sağlanacak hem de gerekli analizlerin kolayca yapılması sağlanacaktır.</a:t>
-            </a:r>
-            <a:endParaRPr lang="tr-TR"/>
+            <a:endParaRPr lang="tr-TR" dirty="0"/>
           </a:p>
         </p:txBody>
       </p:sp>
@@ -1207,7 +1399,7 @@
           <a:p>
             <a:fld id="{D62F6F29-6E56-4B6D-B3B7-2D179DE3DA21}" type="slidenum">
               <a:rPr lang="tr-TR" smtClean="0"/>
-              <a:t>5</a:t>
+              <a:t>4</a:t>
             </a:fld>
             <a:endParaRPr lang="tr-TR"/>
           </a:p>
@@ -1216,7 +1408,7 @@
     </p:spTree>
     <p:extLst>
       <p:ext uri="{BB962C8B-B14F-4D97-AF65-F5344CB8AC3E}">
-        <p14:creationId xmlns:p14="http://schemas.microsoft.com/office/powerpoint/2010/main" val="3789173503"/>
+        <p14:creationId xmlns:p14="http://schemas.microsoft.com/office/powerpoint/2010/main" val="2311782171"/>
       </p:ext>
     </p:extLst>
   </p:cSld>
@@ -1270,11 +1462,7 @@
           <a:bodyPr/>
           <a:lstStyle/>
           <a:p>
-            <a:r>
-              <a:rPr lang="en-US"/>
-              <a:t>Projenin kısaca amacı pano üretim süreçlerindeki karmaşık ve sözlü/yazılı olarak ilerleyen süreçleri dijitalleştirerek zaman tasarrufu sağlamaktır. Bununla birlikte işletmedeki verileri dijtalleştirerek hem ileride kolay ulaşılması sağlanacak hem de gerekli analizlerin kolayca yapılması sağlanacaktır.</a:t>
-            </a:r>
-            <a:endParaRPr lang="tr-TR"/>
+            <a:endParaRPr lang="tr-TR" dirty="0"/>
           </a:p>
         </p:txBody>
       </p:sp>
@@ -1317,7 +1505,7 @@
           <a:p>
             <a:fld id="{D62F6F29-6E56-4B6D-B3B7-2D179DE3DA21}" type="slidenum">
               <a:rPr lang="tr-TR" smtClean="0"/>
-              <a:t>6</a:t>
+              <a:t>5</a:t>
             </a:fld>
             <a:endParaRPr lang="tr-TR"/>
           </a:p>
@@ -1326,7 +1514,7 @@
     </p:spTree>
     <p:extLst>
       <p:ext uri="{BB962C8B-B14F-4D97-AF65-F5344CB8AC3E}">
-        <p14:creationId xmlns:p14="http://schemas.microsoft.com/office/powerpoint/2010/main" val="4280264888"/>
+        <p14:creationId xmlns:p14="http://schemas.microsoft.com/office/powerpoint/2010/main" val="3789173503"/>
       </p:ext>
     </p:extLst>
   </p:cSld>
@@ -1380,11 +1568,7 @@
           <a:bodyPr/>
           <a:lstStyle/>
           <a:p>
-            <a:r>
-              <a:rPr lang="en-US"/>
-              <a:t>Projenin kısaca amacı pano üretim süreçlerindeki karmaşık ve sözlü/yazılı olarak ilerleyen süreçleri dijitalleştirerek zaman tasarrufu sağlamaktır. Bununla birlikte işletmedeki verileri dijtalleştirerek hem ileride kolay ulaşılması sağlanacak hem de gerekli analizlerin kolayca yapılması sağlanacaktır.</a:t>
-            </a:r>
-            <a:endParaRPr lang="tr-TR"/>
+            <a:endParaRPr lang="tr-TR" dirty="0"/>
           </a:p>
         </p:txBody>
       </p:sp>
@@ -1427,7 +1611,7 @@
           <a:p>
             <a:fld id="{D62F6F29-6E56-4B6D-B3B7-2D179DE3DA21}" type="slidenum">
               <a:rPr lang="tr-TR" smtClean="0"/>
-              <a:t>7</a:t>
+              <a:t>6</a:t>
             </a:fld>
             <a:endParaRPr lang="tr-TR"/>
           </a:p>
@@ -1436,7 +1620,7 @@
     </p:spTree>
     <p:extLst>
       <p:ext uri="{BB962C8B-B14F-4D97-AF65-F5344CB8AC3E}">
-        <p14:creationId xmlns:p14="http://schemas.microsoft.com/office/powerpoint/2010/main" val="2901352391"/>
+        <p14:creationId xmlns:p14="http://schemas.microsoft.com/office/powerpoint/2010/main" val="4280264888"/>
       </p:ext>
     </p:extLst>
   </p:cSld>
@@ -1490,11 +1674,7 @@
           <a:bodyPr/>
           <a:lstStyle/>
           <a:p>
-            <a:r>
-              <a:rPr lang="en-US"/>
-              <a:t>Projenin kısaca amacı pano üretim süreçlerindeki karmaşık ve sözlü/yazılı olarak ilerleyen süreçleri dijitalleştirerek zaman tasarrufu sağlamaktır. Bununla birlikte işletmedeki verileri dijtalleştirerek hem ileride kolay ulaşılması sağlanacak hem de gerekli analizlerin kolayca yapılması sağlanacaktır.</a:t>
-            </a:r>
-            <a:endParaRPr lang="tr-TR"/>
+            <a:endParaRPr lang="tr-TR" dirty="0"/>
           </a:p>
         </p:txBody>
       </p:sp>
@@ -1537,7 +1717,7 @@
           <a:p>
             <a:fld id="{D62F6F29-6E56-4B6D-B3B7-2D179DE3DA21}" type="slidenum">
               <a:rPr lang="tr-TR" smtClean="0"/>
-              <a:t>8</a:t>
+              <a:t>7</a:t>
             </a:fld>
             <a:endParaRPr lang="tr-TR"/>
           </a:p>
@@ -1546,7 +1726,7 @@
     </p:spTree>
     <p:extLst>
       <p:ext uri="{BB962C8B-B14F-4D97-AF65-F5344CB8AC3E}">
-        <p14:creationId xmlns:p14="http://schemas.microsoft.com/office/powerpoint/2010/main" val="3334167285"/>
+        <p14:creationId xmlns:p14="http://schemas.microsoft.com/office/powerpoint/2010/main" val="2901352391"/>
       </p:ext>
     </p:extLst>
   </p:cSld>
@@ -1600,11 +1780,7 @@
           <a:bodyPr/>
           <a:lstStyle/>
           <a:p>
-            <a:r>
-              <a:rPr lang="en-US"/>
-              <a:t>Projenin kısaca amacı pano üretim süreçlerindeki karmaşık ve sözlü/yazılı olarak ilerleyen süreçleri dijitalleştirerek zaman tasarrufu sağlamaktır. Bununla birlikte işletmedeki verileri dijtalleştirerek hem ileride kolay ulaşılması sağlanacak hem de gerekli analizlerin kolayca yapılması sağlanacaktır.</a:t>
-            </a:r>
-            <a:endParaRPr lang="tr-TR"/>
+            <a:endParaRPr lang="tr-TR" dirty="0"/>
           </a:p>
         </p:txBody>
       </p:sp>
@@ -1647,7 +1823,7 @@
           <a:p>
             <a:fld id="{D62F6F29-6E56-4B6D-B3B7-2D179DE3DA21}" type="slidenum">
               <a:rPr lang="tr-TR" smtClean="0"/>
-              <a:t>9</a:t>
+              <a:t>8</a:t>
             </a:fld>
             <a:endParaRPr lang="tr-TR"/>
           </a:p>
@@ -1656,7 +1832,7 @@
     </p:spTree>
     <p:extLst>
       <p:ext uri="{BB962C8B-B14F-4D97-AF65-F5344CB8AC3E}">
-        <p14:creationId xmlns:p14="http://schemas.microsoft.com/office/powerpoint/2010/main" val="2565769187"/>
+        <p14:creationId xmlns:p14="http://schemas.microsoft.com/office/powerpoint/2010/main" val="3334167285"/>
       </p:ext>
     </p:extLst>
   </p:cSld>
@@ -1710,11 +1886,7 @@
           <a:bodyPr/>
           <a:lstStyle/>
           <a:p>
-            <a:r>
-              <a:rPr lang="en-US"/>
-              <a:t>Projenin kısaca amacı pano üretim süreçlerindeki karmaşık ve sözlü/yazılı olarak ilerleyen süreçleri dijitalleştirerek zaman tasarrufu sağlamaktır. Bununla birlikte işletmedeki verileri dijtalleştirerek hem ileride kolay ulaşılması sağlanacak hem de gerekli analizlerin kolayca yapılması sağlanacaktır.</a:t>
-            </a:r>
-            <a:endParaRPr lang="tr-TR"/>
+            <a:endParaRPr lang="tr-TR" dirty="0"/>
           </a:p>
         </p:txBody>
       </p:sp>
@@ -1757,7 +1929,7 @@
           <a:p>
             <a:fld id="{D62F6F29-6E56-4B6D-B3B7-2D179DE3DA21}" type="slidenum">
               <a:rPr lang="tr-TR" smtClean="0"/>
-              <a:t>10</a:t>
+              <a:t>9</a:t>
             </a:fld>
             <a:endParaRPr lang="tr-TR"/>
           </a:p>
@@ -1766,7 +1938,7 @@
     </p:spTree>
     <p:extLst>
       <p:ext uri="{BB962C8B-B14F-4D97-AF65-F5344CB8AC3E}">
-        <p14:creationId xmlns:p14="http://schemas.microsoft.com/office/powerpoint/2010/main" val="4258971362"/>
+        <p14:creationId xmlns:p14="http://schemas.microsoft.com/office/powerpoint/2010/main" val="2565769187"/>
       </p:ext>
     </p:extLst>
   </p:cSld>
@@ -6580,7 +6752,7 @@
           <p:nvPr/>
         </p:nvPicPr>
         <p:blipFill rotWithShape="1">
-          <a:blip r:embed="rId2"/>
+          <a:blip r:embed="rId3"/>
           <a:srcRect t="18569" b="29915"/>
           <a:stretch/>
         </p:blipFill>
@@ -6805,7 +6977,7 @@
           <p:nvPr/>
         </p:nvPicPr>
         <p:blipFill>
-          <a:blip r:embed="rId3">
+          <a:blip r:embed="rId4">
             <a:extLst>
               <a:ext uri="{28A0092B-C50C-407E-A947-70E740481C1C}">
                 <a14:useLocalDpi xmlns:a14="http://schemas.microsoft.com/office/drawing/2010/main" val="0"/>
@@ -7323,258 +7495,6 @@
           </a:p>
         </p:txBody>
       </p:sp>
-      <p:sp>
-        <p:nvSpPr>
-          <p:cNvPr id="9" name="Content Placeholder 2">
-            <a:extLst>
-              <a:ext uri="{FF2B5EF4-FFF2-40B4-BE49-F238E27FC236}">
-                <a16:creationId xmlns:a16="http://schemas.microsoft.com/office/drawing/2014/main" id="{E3EB3818-EDDD-06F9-F25C-3235A6A2EAD3}"/>
-              </a:ext>
-            </a:extLst>
-          </p:cNvPr>
-          <p:cNvSpPr txBox="1">
-            <a:spLocks/>
-          </p:cNvSpPr>
-          <p:nvPr/>
-        </p:nvSpPr>
-        <p:spPr>
-          <a:xfrm>
-            <a:off x="167402" y="1614300"/>
-            <a:ext cx="7775328" cy="501371"/>
-          </a:xfrm>
-          <a:prstGeom prst="rect">
-            <a:avLst/>
-          </a:prstGeom>
-        </p:spPr>
-        <p:txBody>
-          <a:bodyPr vert="horz" lIns="91440" tIns="45720" rIns="91440" bIns="45720" rtlCol="0">
-            <a:normAutofit/>
-          </a:bodyPr>
-          <a:lstStyle>
-            <a:lvl1pPr marL="0" indent="0" algn="l" defTabSz="914400" rtl="0" eaLnBrk="1" latinLnBrk="0" hangingPunct="1">
-              <a:lnSpc>
-                <a:spcPct val="110000"/>
-              </a:lnSpc>
-              <a:spcBef>
-                <a:spcPts val="1000"/>
-              </a:spcBef>
-              <a:buFont typeface="Arial" panose="020B0604020202020204" pitchFamily="34" charset="0"/>
-              <a:buNone/>
-              <a:defRPr sz="2200" kern="1200">
-                <a:solidFill>
-                  <a:schemeClr val="tx1"/>
-                </a:solidFill>
-                <a:latin typeface="+mn-lt"/>
-                <a:ea typeface="+mn-ea"/>
-                <a:cs typeface="+mn-cs"/>
-              </a:defRPr>
-            </a:lvl1pPr>
-            <a:lvl2pPr marL="228600" indent="0" algn="l" defTabSz="914400" rtl="0" eaLnBrk="1" latinLnBrk="0" hangingPunct="1">
-              <a:lnSpc>
-                <a:spcPct val="110000"/>
-              </a:lnSpc>
-              <a:spcBef>
-                <a:spcPts val="500"/>
-              </a:spcBef>
-              <a:buFont typeface="Arial" panose="020B0604020202020204" pitchFamily="34" charset="0"/>
-              <a:buNone/>
-              <a:defRPr sz="2000" kern="1200">
-                <a:solidFill>
-                  <a:schemeClr val="tx1"/>
-                </a:solidFill>
-                <a:latin typeface="+mn-lt"/>
-                <a:ea typeface="+mn-ea"/>
-                <a:cs typeface="+mn-cs"/>
-              </a:defRPr>
-            </a:lvl2pPr>
-            <a:lvl3pPr marL="457200" indent="0" algn="l" defTabSz="914400" rtl="0" eaLnBrk="1" latinLnBrk="0" hangingPunct="1">
-              <a:lnSpc>
-                <a:spcPct val="110000"/>
-              </a:lnSpc>
-              <a:spcBef>
-                <a:spcPts val="500"/>
-              </a:spcBef>
-              <a:buFont typeface="Arial" panose="020B0604020202020204" pitchFamily="34" charset="0"/>
-              <a:buNone/>
-              <a:defRPr sz="1800" kern="1200">
-                <a:solidFill>
-                  <a:schemeClr val="tx1"/>
-                </a:solidFill>
-                <a:latin typeface="+mn-lt"/>
-                <a:ea typeface="+mn-ea"/>
-                <a:cs typeface="+mn-cs"/>
-              </a:defRPr>
-            </a:lvl3pPr>
-            <a:lvl4pPr marL="685800" indent="0" algn="l" defTabSz="914400" rtl="0" eaLnBrk="1" latinLnBrk="0" hangingPunct="1">
-              <a:lnSpc>
-                <a:spcPct val="110000"/>
-              </a:lnSpc>
-              <a:spcBef>
-                <a:spcPts val="500"/>
-              </a:spcBef>
-              <a:buFont typeface="Arial" panose="020B0604020202020204" pitchFamily="34" charset="0"/>
-              <a:buNone/>
-              <a:defRPr sz="1600" kern="1200">
-                <a:solidFill>
-                  <a:schemeClr val="tx1"/>
-                </a:solidFill>
-                <a:latin typeface="+mn-lt"/>
-                <a:ea typeface="+mn-ea"/>
-                <a:cs typeface="+mn-cs"/>
-              </a:defRPr>
-            </a:lvl4pPr>
-            <a:lvl5pPr marL="914400" indent="0" algn="l" defTabSz="914400" rtl="0" eaLnBrk="1" latinLnBrk="0" hangingPunct="1">
-              <a:lnSpc>
-                <a:spcPct val="110000"/>
-              </a:lnSpc>
-              <a:spcBef>
-                <a:spcPts val="500"/>
-              </a:spcBef>
-              <a:buFont typeface="Arial" panose="020B0604020202020204" pitchFamily="34" charset="0"/>
-              <a:buNone/>
-              <a:defRPr sz="1600" kern="1200">
-                <a:solidFill>
-                  <a:schemeClr val="tx1"/>
-                </a:solidFill>
-                <a:latin typeface="+mn-lt"/>
-                <a:ea typeface="+mn-ea"/>
-                <a:cs typeface="+mn-cs"/>
-              </a:defRPr>
-            </a:lvl5pPr>
-            <a:lvl6pPr marL="2514600" indent="-228600" algn="l" defTabSz="914400" rtl="0" eaLnBrk="1" latinLnBrk="0" hangingPunct="1">
-              <a:lnSpc>
-                <a:spcPct val="90000"/>
-              </a:lnSpc>
-              <a:spcBef>
-                <a:spcPts val="500"/>
-              </a:spcBef>
-              <a:buFont typeface="Arial" panose="020B0604020202020204" pitchFamily="34" charset="0"/>
-              <a:buChar char="•"/>
-              <a:defRPr sz="1800" kern="1200">
-                <a:solidFill>
-                  <a:schemeClr val="tx1"/>
-                </a:solidFill>
-                <a:latin typeface="+mn-lt"/>
-                <a:ea typeface="+mn-ea"/>
-                <a:cs typeface="+mn-cs"/>
-              </a:defRPr>
-            </a:lvl6pPr>
-            <a:lvl7pPr marL="2971800" indent="-228600" algn="l" defTabSz="914400" rtl="0" eaLnBrk="1" latinLnBrk="0" hangingPunct="1">
-              <a:lnSpc>
-                <a:spcPct val="90000"/>
-              </a:lnSpc>
-              <a:spcBef>
-                <a:spcPts val="500"/>
-              </a:spcBef>
-              <a:buFont typeface="Arial" panose="020B0604020202020204" pitchFamily="34" charset="0"/>
-              <a:buChar char="•"/>
-              <a:defRPr sz="1800" kern="1200">
-                <a:solidFill>
-                  <a:schemeClr val="tx1"/>
-                </a:solidFill>
-                <a:latin typeface="+mn-lt"/>
-                <a:ea typeface="+mn-ea"/>
-                <a:cs typeface="+mn-cs"/>
-              </a:defRPr>
-            </a:lvl7pPr>
-            <a:lvl8pPr marL="3429000" indent="-228600" algn="l" defTabSz="914400" rtl="0" eaLnBrk="1" latinLnBrk="0" hangingPunct="1">
-              <a:lnSpc>
-                <a:spcPct val="90000"/>
-              </a:lnSpc>
-              <a:spcBef>
-                <a:spcPts val="500"/>
-              </a:spcBef>
-              <a:buFont typeface="Arial" panose="020B0604020202020204" pitchFamily="34" charset="0"/>
-              <a:buChar char="•"/>
-              <a:defRPr sz="1800" kern="1200">
-                <a:solidFill>
-                  <a:schemeClr val="tx1"/>
-                </a:solidFill>
-                <a:latin typeface="+mn-lt"/>
-                <a:ea typeface="+mn-ea"/>
-                <a:cs typeface="+mn-cs"/>
-              </a:defRPr>
-            </a:lvl8pPr>
-            <a:lvl9pPr marL="3886200" indent="-228600" algn="l" defTabSz="914400" rtl="0" eaLnBrk="1" latinLnBrk="0" hangingPunct="1">
-              <a:lnSpc>
-                <a:spcPct val="90000"/>
-              </a:lnSpc>
-              <a:spcBef>
-                <a:spcPts val="500"/>
-              </a:spcBef>
-              <a:buFont typeface="Arial" panose="020B0604020202020204" pitchFamily="34" charset="0"/>
-              <a:buChar char="•"/>
-              <a:defRPr sz="1800" kern="1200">
-                <a:solidFill>
-                  <a:schemeClr val="tx1"/>
-                </a:solidFill>
-                <a:latin typeface="+mn-lt"/>
-                <a:ea typeface="+mn-ea"/>
-                <a:cs typeface="+mn-cs"/>
-              </a:defRPr>
-            </a:lvl9pPr>
-          </a:lstStyle>
-          <a:p>
-            <a:pPr lvl="1"/>
-            <a:r>
-              <a:rPr lang="tr-TR" b="0" i="0" dirty="0" err="1">
-                <a:solidFill>
-                  <a:srgbClr val="364150"/>
-                </a:solidFill>
-                <a:effectLst/>
-                <a:latin typeface="source-serif-pro"/>
-              </a:rPr>
-              <a:t>https</a:t>
-            </a:r>
-            <a:r>
-              <a:rPr lang="tr-TR" b="0" i="0" dirty="0">
-                <a:solidFill>
-                  <a:srgbClr val="364150"/>
-                </a:solidFill>
-                <a:effectLst/>
-                <a:latin typeface="source-serif-pro"/>
-              </a:rPr>
-              <a:t>://</a:t>
-            </a:r>
-            <a:r>
-              <a:rPr lang="tr-TR" b="0" i="0" dirty="0" err="1">
-                <a:solidFill>
-                  <a:srgbClr val="364150"/>
-                </a:solidFill>
-                <a:effectLst/>
-                <a:latin typeface="source-serif-pro"/>
-              </a:rPr>
-              <a:t>github.com</a:t>
-            </a:r>
-            <a:r>
-              <a:rPr lang="tr-TR" b="0" i="0" dirty="0">
-                <a:solidFill>
-                  <a:srgbClr val="364150"/>
-                </a:solidFill>
-                <a:effectLst/>
-                <a:latin typeface="source-serif-pro"/>
-              </a:rPr>
-              <a:t>/cankurt17/</a:t>
-            </a:r>
-            <a:r>
-              <a:rPr lang="tr-TR" b="0" i="0" dirty="0" err="1">
-                <a:solidFill>
-                  <a:srgbClr val="364150"/>
-                </a:solidFill>
-                <a:effectLst/>
-                <a:latin typeface="source-serif-pro"/>
-              </a:rPr>
-              <a:t>design-patterns.git</a:t>
-            </a:r>
-            <a:endParaRPr lang="tr-TR" sz="2400" dirty="0">
-              <a:solidFill>
-                <a:srgbClr val="364150"/>
-              </a:solidFill>
-              <a:latin typeface="Söhne"/>
-            </a:endParaRPr>
-          </a:p>
-        </p:txBody>
-      </p:sp>
       <p:pic>
         <p:nvPicPr>
           <p:cNvPr id="10" name="Resim 9">
@@ -7605,6 +7525,54 @@
           </a:prstGeom>
         </p:spPr>
       </p:pic>
+      <p:sp>
+        <p:nvSpPr>
+          <p:cNvPr id="7" name="Metin kutusu 6">
+            <a:extLst>
+              <a:ext uri="{FF2B5EF4-FFF2-40B4-BE49-F238E27FC236}">
+                <a16:creationId xmlns:a16="http://schemas.microsoft.com/office/drawing/2014/main" id="{C56CFF7D-CA17-F8B3-B616-C7EBED3A0EBB}"/>
+              </a:ext>
+            </a:extLst>
+          </p:cNvPr>
+          <p:cNvSpPr txBox="1"/>
+          <p:nvPr/>
+        </p:nvSpPr>
+        <p:spPr>
+          <a:xfrm>
+            <a:off x="364625" y="1442554"/>
+            <a:ext cx="4969565" cy="369332"/>
+          </a:xfrm>
+          <a:prstGeom prst="rect">
+            <a:avLst/>
+          </a:prstGeom>
+          <a:noFill/>
+        </p:spPr>
+        <p:txBody>
+          <a:bodyPr wrap="square">
+            <a:spAutoFit/>
+          </a:bodyPr>
+          <a:lstStyle/>
+          <a:p>
+            <a:r>
+              <a:rPr lang="tr-TR" b="0" i="0" dirty="0">
+                <a:solidFill>
+                  <a:srgbClr val="364150"/>
+                </a:solidFill>
+                <a:effectLst/>
+                <a:latin typeface="source-serif-pro"/>
+                <a:hlinkClick r:id="rId4"/>
+              </a:rPr>
+              <a:t>https://github.com/cankurt17/design-patterns.git</a:t>
+            </a:r>
+            <a:endParaRPr lang="tr-TR" sz="2400" dirty="0">
+              <a:solidFill>
+                <a:srgbClr val="364150"/>
+              </a:solidFill>
+              <a:latin typeface="Söhne"/>
+            </a:endParaRPr>
+          </a:p>
+        </p:txBody>
+      </p:sp>
     </p:spTree>
     <p:extLst>
       <p:ext uri="{BB962C8B-B14F-4D97-AF65-F5344CB8AC3E}">
@@ -7734,7 +7702,7 @@
           <p:nvPr/>
         </p:nvPicPr>
         <p:blipFill>
-          <a:blip r:embed="rId2">
+          <a:blip r:embed="rId3">
             <a:alphaModFix amt="20000"/>
             <a:extLst>
               <a:ext uri="{28A0092B-C50C-407E-A947-70E740481C1C}">
